--- a/Time Series Predictions.pptx
+++ b/Time Series Predictions.pptx
@@ -15558,6 +15558,282 @@
           </a:extLst>
         </p:spPr>
       </p:pic>
+      <p:cxnSp>
+        <p:nvCxnSpPr>
+          <p:cNvPr id="5" name="Straight Connector 4"/>
+          <p:cNvCxnSpPr/>
+          <p:nvPr/>
+        </p:nvCxnSpPr>
+        <p:spPr>
+          <a:xfrm flipV="1">
+            <a:off x="3810000" y="2362200"/>
+            <a:ext cx="0" cy="3886200"/>
+          </a:xfrm>
+          <a:prstGeom prst="line">
+            <a:avLst/>
+          </a:prstGeom>
+          <a:ln>
+            <a:solidFill>
+              <a:srgbClr val="7030A0"/>
+            </a:solidFill>
+          </a:ln>
+          <a:effectLst>
+            <a:glow rad="63500">
+              <a:schemeClr val="accent2">
+                <a:satMod val="175000"/>
+                <a:alpha val="40000"/>
+              </a:schemeClr>
+            </a:glow>
+            <a:outerShdw blurRad="50800" dist="25400" dir="5400000" rotWithShape="0">
+              <a:srgbClr val="000000">
+                <a:alpha val="38000"/>
+              </a:srgbClr>
+            </a:outerShdw>
+          </a:effectLst>
+        </p:spPr>
+        <p:style>
+          <a:lnRef idx="3">
+            <a:schemeClr val="accent6"/>
+          </a:lnRef>
+          <a:fillRef idx="0">
+            <a:schemeClr val="accent6"/>
+          </a:fillRef>
+          <a:effectRef idx="2">
+            <a:schemeClr val="accent6"/>
+          </a:effectRef>
+          <a:fontRef idx="minor">
+            <a:schemeClr val="tx1"/>
+          </a:fontRef>
+        </p:style>
+      </p:cxnSp>
+      <p:cxnSp>
+        <p:nvCxnSpPr>
+          <p:cNvPr id="7" name="Straight Arrow Connector 6"/>
+          <p:cNvCxnSpPr/>
+          <p:nvPr/>
+        </p:nvCxnSpPr>
+        <p:spPr>
+          <a:xfrm>
+            <a:off x="3962400" y="2895600"/>
+            <a:ext cx="607802" cy="609600"/>
+          </a:xfrm>
+          <a:prstGeom prst="straightConnector1">
+            <a:avLst/>
+          </a:prstGeom>
+          <a:ln>
+            <a:solidFill>
+              <a:srgbClr val="FF0000"/>
+            </a:solidFill>
+            <a:tailEnd type="arrow"/>
+          </a:ln>
+        </p:spPr>
+        <p:style>
+          <a:lnRef idx="3">
+            <a:schemeClr val="accent3"/>
+          </a:lnRef>
+          <a:fillRef idx="0">
+            <a:schemeClr val="accent3"/>
+          </a:fillRef>
+          <a:effectRef idx="2">
+            <a:schemeClr val="accent3"/>
+          </a:effectRef>
+          <a:fontRef idx="minor">
+            <a:schemeClr val="tx1"/>
+          </a:fontRef>
+        </p:style>
+      </p:cxnSp>
+      <p:cxnSp>
+        <p:nvCxnSpPr>
+          <p:cNvPr id="9" name="Straight Arrow Connector 8"/>
+          <p:cNvCxnSpPr/>
+          <p:nvPr/>
+        </p:nvCxnSpPr>
+        <p:spPr>
+          <a:xfrm>
+            <a:off x="3962400" y="5334000"/>
+            <a:ext cx="762000" cy="381000"/>
+          </a:xfrm>
+          <a:prstGeom prst="straightConnector1">
+            <a:avLst/>
+          </a:prstGeom>
+          <a:ln w="28575">
+            <a:solidFill>
+              <a:schemeClr val="tx1">
+                <a:lumMod val="95000"/>
+                <a:lumOff val="5000"/>
+              </a:schemeClr>
+            </a:solidFill>
+            <a:tailEnd type="arrow"/>
+          </a:ln>
+          <a:effectLst>
+            <a:glow rad="203200">
+              <a:srgbClr val="FF0000">
+                <a:alpha val="40000"/>
+              </a:srgbClr>
+            </a:glow>
+            <a:outerShdw blurRad="50800" dist="25400" dir="5400000" rotWithShape="0">
+              <a:srgbClr val="000000">
+                <a:alpha val="38000"/>
+              </a:srgbClr>
+            </a:outerShdw>
+          </a:effectLst>
+        </p:spPr>
+        <p:style>
+          <a:lnRef idx="3">
+            <a:schemeClr val="dk1"/>
+          </a:lnRef>
+          <a:fillRef idx="0">
+            <a:schemeClr val="dk1"/>
+          </a:fillRef>
+          <a:effectRef idx="2">
+            <a:schemeClr val="dk1"/>
+          </a:effectRef>
+          <a:fontRef idx="minor">
+            <a:schemeClr val="tx1"/>
+          </a:fontRef>
+        </p:style>
+      </p:cxnSp>
+      <p:cxnSp>
+        <p:nvCxnSpPr>
+          <p:cNvPr id="12" name="Elbow Connector 11"/>
+          <p:cNvCxnSpPr/>
+          <p:nvPr/>
+        </p:nvCxnSpPr>
+        <p:spPr>
+          <a:xfrm rot="16200000" flipH="1">
+            <a:off x="4000500" y="3467100"/>
+            <a:ext cx="3657600" cy="1752600"/>
+          </a:xfrm>
+          <a:prstGeom prst="bentConnector3">
+            <a:avLst>
+              <a:gd name="adj1" fmla="val 68029"/>
+            </a:avLst>
+          </a:prstGeom>
+          <a:ln w="28575"/>
+          <a:effectLst>
+            <a:glow rad="63500">
+              <a:schemeClr val="accent4">
+                <a:satMod val="175000"/>
+                <a:alpha val="40000"/>
+              </a:schemeClr>
+            </a:glow>
+            <a:outerShdw blurRad="50800" dist="25400" dir="5400000" rotWithShape="0">
+              <a:srgbClr val="000000">
+                <a:alpha val="38000"/>
+              </a:srgbClr>
+            </a:outerShdw>
+          </a:effectLst>
+        </p:spPr>
+        <p:style>
+          <a:lnRef idx="3">
+            <a:schemeClr val="accent5"/>
+          </a:lnRef>
+          <a:fillRef idx="0">
+            <a:schemeClr val="accent5"/>
+          </a:fillRef>
+          <a:effectRef idx="2">
+            <a:schemeClr val="accent5"/>
+          </a:effectRef>
+          <a:fontRef idx="minor">
+            <a:schemeClr val="tx1"/>
+          </a:fontRef>
+        </p:style>
+      </p:cxnSp>
+      <p:cxnSp>
+        <p:nvCxnSpPr>
+          <p:cNvPr id="19" name="Straight Arrow Connector 18"/>
+          <p:cNvCxnSpPr/>
+          <p:nvPr/>
+        </p:nvCxnSpPr>
+        <p:spPr>
+          <a:xfrm flipV="1">
+            <a:off x="5257800" y="4114800"/>
+            <a:ext cx="838200" cy="364388"/>
+          </a:xfrm>
+          <a:prstGeom prst="straightConnector1">
+            <a:avLst/>
+          </a:prstGeom>
+          <a:ln w="38100">
+            <a:solidFill>
+              <a:srgbClr val="FF0000"/>
+            </a:solidFill>
+            <a:tailEnd type="arrow"/>
+          </a:ln>
+          <a:effectLst>
+            <a:glow rad="63500">
+              <a:schemeClr val="accent4">
+                <a:satMod val="175000"/>
+                <a:alpha val="40000"/>
+              </a:schemeClr>
+            </a:glow>
+            <a:outerShdw blurRad="50800" dist="25400" dir="5400000" rotWithShape="0">
+              <a:srgbClr val="000000">
+                <a:alpha val="38000"/>
+              </a:srgbClr>
+            </a:outerShdw>
+          </a:effectLst>
+        </p:spPr>
+        <p:style>
+          <a:lnRef idx="3">
+            <a:schemeClr val="accent6"/>
+          </a:lnRef>
+          <a:fillRef idx="0">
+            <a:schemeClr val="accent6"/>
+          </a:fillRef>
+          <a:effectRef idx="2">
+            <a:schemeClr val="accent6"/>
+          </a:effectRef>
+          <a:fontRef idx="minor">
+            <a:schemeClr val="tx1"/>
+          </a:fontRef>
+        </p:style>
+      </p:cxnSp>
+      <p:cxnSp>
+        <p:nvCxnSpPr>
+          <p:cNvPr id="22" name="Straight Arrow Connector 21"/>
+          <p:cNvCxnSpPr/>
+          <p:nvPr/>
+        </p:nvCxnSpPr>
+        <p:spPr>
+          <a:xfrm>
+            <a:off x="5105400" y="5257800"/>
+            <a:ext cx="1143000" cy="0"/>
+          </a:xfrm>
+          <a:prstGeom prst="straightConnector1">
+            <a:avLst/>
+          </a:prstGeom>
+          <a:ln w="38100">
+            <a:tailEnd type="arrow"/>
+          </a:ln>
+          <a:effectLst>
+            <a:glow rad="139700">
+              <a:schemeClr val="accent4">
+                <a:satMod val="175000"/>
+                <a:alpha val="40000"/>
+              </a:schemeClr>
+            </a:glow>
+            <a:outerShdw blurRad="50800" dist="25400" dir="5400000" rotWithShape="0">
+              <a:srgbClr val="000000">
+                <a:alpha val="38000"/>
+              </a:srgbClr>
+            </a:outerShdw>
+          </a:effectLst>
+        </p:spPr>
+        <p:style>
+          <a:lnRef idx="3">
+            <a:schemeClr val="dk1"/>
+          </a:lnRef>
+          <a:fillRef idx="0">
+            <a:schemeClr val="dk1"/>
+          </a:fillRef>
+          <a:effectRef idx="2">
+            <a:schemeClr val="dk1"/>
+          </a:effectRef>
+          <a:fontRef idx="minor">
+            <a:schemeClr val="tx1"/>
+          </a:fontRef>
+        </p:style>
+      </p:cxnSp>
     </p:spTree>
     <p:extLst>
       <p:ext uri="{BB962C8B-B14F-4D97-AF65-F5344CB8AC3E}">
@@ -15728,6 +16004,324 @@
                       </p:childTnLst>
                     </p:cTn>
                   </p:par>
+                  <p:par>
+                    <p:cTn id="15" fill="hold">
+                      <p:stCondLst>
+                        <p:cond delay="indefinite"/>
+                      </p:stCondLst>
+                      <p:childTnLst>
+                        <p:par>
+                          <p:cTn id="16" fill="hold">
+                            <p:stCondLst>
+                              <p:cond delay="0"/>
+                            </p:stCondLst>
+                            <p:childTnLst>
+                              <p:par>
+                                <p:cTn id="17" presetID="10" presetClass="entr" presetSubtype="0" fill="hold" nodeType="clickEffect">
+                                  <p:stCondLst>
+                                    <p:cond delay="0"/>
+                                  </p:stCondLst>
+                                  <p:childTnLst>
+                                    <p:set>
+                                      <p:cBhvr>
+                                        <p:cTn id="18" dur="1" fill="hold">
+                                          <p:stCondLst>
+                                            <p:cond delay="0"/>
+                                          </p:stCondLst>
+                                        </p:cTn>
+                                        <p:tgtEl>
+                                          <p:spTgt spid="5"/>
+                                        </p:tgtEl>
+                                        <p:attrNameLst>
+                                          <p:attrName>style.visibility</p:attrName>
+                                        </p:attrNameLst>
+                                      </p:cBhvr>
+                                      <p:to>
+                                        <p:strVal val="visible"/>
+                                      </p:to>
+                                    </p:set>
+                                    <p:animEffect transition="in" filter="fade">
+                                      <p:cBhvr>
+                                        <p:cTn id="19" dur="500"/>
+                                        <p:tgtEl>
+                                          <p:spTgt spid="5"/>
+                                        </p:tgtEl>
+                                      </p:cBhvr>
+                                    </p:animEffect>
+                                  </p:childTnLst>
+                                </p:cTn>
+                              </p:par>
+                            </p:childTnLst>
+                          </p:cTn>
+                        </p:par>
+                      </p:childTnLst>
+                    </p:cTn>
+                  </p:par>
+                  <p:par>
+                    <p:cTn id="20" fill="hold">
+                      <p:stCondLst>
+                        <p:cond delay="indefinite"/>
+                      </p:stCondLst>
+                      <p:childTnLst>
+                        <p:par>
+                          <p:cTn id="21" fill="hold">
+                            <p:stCondLst>
+                              <p:cond delay="0"/>
+                            </p:stCondLst>
+                            <p:childTnLst>
+                              <p:par>
+                                <p:cTn id="22" presetID="10" presetClass="entr" presetSubtype="0" fill="hold" nodeType="clickEffect">
+                                  <p:stCondLst>
+                                    <p:cond delay="0"/>
+                                  </p:stCondLst>
+                                  <p:childTnLst>
+                                    <p:set>
+                                      <p:cBhvr>
+                                        <p:cTn id="23" dur="1" fill="hold">
+                                          <p:stCondLst>
+                                            <p:cond delay="0"/>
+                                          </p:stCondLst>
+                                        </p:cTn>
+                                        <p:tgtEl>
+                                          <p:spTgt spid="7"/>
+                                        </p:tgtEl>
+                                        <p:attrNameLst>
+                                          <p:attrName>style.visibility</p:attrName>
+                                        </p:attrNameLst>
+                                      </p:cBhvr>
+                                      <p:to>
+                                        <p:strVal val="visible"/>
+                                      </p:to>
+                                    </p:set>
+                                    <p:animEffect transition="in" filter="fade">
+                                      <p:cBhvr>
+                                        <p:cTn id="24" dur="500"/>
+                                        <p:tgtEl>
+                                          <p:spTgt spid="7"/>
+                                        </p:tgtEl>
+                                      </p:cBhvr>
+                                    </p:animEffect>
+                                  </p:childTnLst>
+                                </p:cTn>
+                              </p:par>
+                            </p:childTnLst>
+                          </p:cTn>
+                        </p:par>
+                      </p:childTnLst>
+                    </p:cTn>
+                  </p:par>
+                  <p:par>
+                    <p:cTn id="25" fill="hold">
+                      <p:stCondLst>
+                        <p:cond delay="indefinite"/>
+                      </p:stCondLst>
+                      <p:childTnLst>
+                        <p:par>
+                          <p:cTn id="26" fill="hold">
+                            <p:stCondLst>
+                              <p:cond delay="0"/>
+                            </p:stCondLst>
+                            <p:childTnLst>
+                              <p:par>
+                                <p:cTn id="27" presetID="10" presetClass="entr" presetSubtype="0" fill="hold" nodeType="clickEffect">
+                                  <p:stCondLst>
+                                    <p:cond delay="0"/>
+                                  </p:stCondLst>
+                                  <p:childTnLst>
+                                    <p:set>
+                                      <p:cBhvr>
+                                        <p:cTn id="28" dur="1" fill="hold">
+                                          <p:stCondLst>
+                                            <p:cond delay="0"/>
+                                          </p:stCondLst>
+                                        </p:cTn>
+                                        <p:tgtEl>
+                                          <p:spTgt spid="9"/>
+                                        </p:tgtEl>
+                                        <p:attrNameLst>
+                                          <p:attrName>style.visibility</p:attrName>
+                                        </p:attrNameLst>
+                                      </p:cBhvr>
+                                      <p:to>
+                                        <p:strVal val="visible"/>
+                                      </p:to>
+                                    </p:set>
+                                    <p:animEffect transition="in" filter="fade">
+                                      <p:cBhvr>
+                                        <p:cTn id="29" dur="500"/>
+                                        <p:tgtEl>
+                                          <p:spTgt spid="9"/>
+                                        </p:tgtEl>
+                                      </p:cBhvr>
+                                    </p:animEffect>
+                                  </p:childTnLst>
+                                </p:cTn>
+                              </p:par>
+                            </p:childTnLst>
+                          </p:cTn>
+                        </p:par>
+                      </p:childTnLst>
+                    </p:cTn>
+                  </p:par>
+                  <p:par>
+                    <p:cTn id="30" fill="hold">
+                      <p:stCondLst>
+                        <p:cond delay="indefinite"/>
+                      </p:stCondLst>
+                      <p:childTnLst>
+                        <p:par>
+                          <p:cTn id="31" fill="hold">
+                            <p:stCondLst>
+                              <p:cond delay="0"/>
+                            </p:stCondLst>
+                            <p:childTnLst>
+                              <p:par>
+                                <p:cTn id="32" presetID="6" presetClass="entr" presetSubtype="16" fill="hold" nodeType="clickEffect">
+                                  <p:stCondLst>
+                                    <p:cond delay="0"/>
+                                  </p:stCondLst>
+                                  <p:childTnLst>
+                                    <p:set>
+                                      <p:cBhvr>
+                                        <p:cTn id="33" dur="1" fill="hold">
+                                          <p:stCondLst>
+                                            <p:cond delay="0"/>
+                                          </p:stCondLst>
+                                        </p:cTn>
+                                        <p:tgtEl>
+                                          <p:spTgt spid="12"/>
+                                        </p:tgtEl>
+                                        <p:attrNameLst>
+                                          <p:attrName>style.visibility</p:attrName>
+                                        </p:attrNameLst>
+                                      </p:cBhvr>
+                                      <p:to>
+                                        <p:strVal val="visible"/>
+                                      </p:to>
+                                    </p:set>
+                                    <p:animEffect transition="in" filter="circle(in)">
+                                      <p:cBhvr>
+                                        <p:cTn id="34" dur="2000"/>
+                                        <p:tgtEl>
+                                          <p:spTgt spid="12"/>
+                                        </p:tgtEl>
+                                      </p:cBhvr>
+                                    </p:animEffect>
+                                  </p:childTnLst>
+                                </p:cTn>
+                              </p:par>
+                            </p:childTnLst>
+                          </p:cTn>
+                        </p:par>
+                      </p:childTnLst>
+                    </p:cTn>
+                  </p:par>
+                  <p:par>
+                    <p:cTn id="35" fill="hold">
+                      <p:stCondLst>
+                        <p:cond delay="indefinite"/>
+                      </p:stCondLst>
+                      <p:childTnLst>
+                        <p:par>
+                          <p:cTn id="36" fill="hold">
+                            <p:stCondLst>
+                              <p:cond delay="0"/>
+                            </p:stCondLst>
+                            <p:childTnLst>
+                              <p:par>
+                                <p:cTn id="37" presetID="10" presetClass="entr" presetSubtype="0" fill="hold" nodeType="clickEffect">
+                                  <p:stCondLst>
+                                    <p:cond delay="0"/>
+                                  </p:stCondLst>
+                                  <p:childTnLst>
+                                    <p:set>
+                                      <p:cBhvr>
+                                        <p:cTn id="38" dur="1" fill="hold">
+                                          <p:stCondLst>
+                                            <p:cond delay="0"/>
+                                          </p:stCondLst>
+                                        </p:cTn>
+                                        <p:tgtEl>
+                                          <p:spTgt spid="19"/>
+                                        </p:tgtEl>
+                                        <p:attrNameLst>
+                                          <p:attrName>style.visibility</p:attrName>
+                                        </p:attrNameLst>
+                                      </p:cBhvr>
+                                      <p:to>
+                                        <p:strVal val="visible"/>
+                                      </p:to>
+                                    </p:set>
+                                    <p:animEffect transition="in" filter="fade">
+                                      <p:cBhvr>
+                                        <p:cTn id="39" dur="500"/>
+                                        <p:tgtEl>
+                                          <p:spTgt spid="19"/>
+                                        </p:tgtEl>
+                                      </p:cBhvr>
+                                    </p:animEffect>
+                                  </p:childTnLst>
+                                </p:cTn>
+                              </p:par>
+                            </p:childTnLst>
+                          </p:cTn>
+                        </p:par>
+                      </p:childTnLst>
+                    </p:cTn>
+                  </p:par>
+                  <p:par>
+                    <p:cTn id="40" fill="hold">
+                      <p:stCondLst>
+                        <p:cond delay="indefinite"/>
+                      </p:stCondLst>
+                      <p:childTnLst>
+                        <p:par>
+                          <p:cTn id="41" fill="hold">
+                            <p:stCondLst>
+                              <p:cond delay="0"/>
+                            </p:stCondLst>
+                            <p:childTnLst>
+                              <p:par>
+                                <p:cTn id="42" presetID="10" presetClass="entr" presetSubtype="0" fill="hold" nodeType="clickEffect">
+                                  <p:stCondLst>
+                                    <p:cond delay="0"/>
+                                  </p:stCondLst>
+                                  <p:childTnLst>
+                                    <p:set>
+                                      <p:cBhvr>
+                                        <p:cTn id="43" dur="1" fill="hold">
+                                          <p:stCondLst>
+                                            <p:cond delay="0"/>
+                                          </p:stCondLst>
+                                        </p:cTn>
+                                        <p:tgtEl>
+                                          <p:spTgt spid="22"/>
+                                        </p:tgtEl>
+                                        <p:attrNameLst>
+                                          <p:attrName>style.visibility</p:attrName>
+                                        </p:attrNameLst>
+                                      </p:cBhvr>
+                                      <p:to>
+                                        <p:strVal val="visible"/>
+                                      </p:to>
+                                    </p:set>
+                                    <p:animEffect transition="in" filter="fade">
+                                      <p:cBhvr>
+                                        <p:cTn id="44" dur="500"/>
+                                        <p:tgtEl>
+                                          <p:spTgt spid="22"/>
+                                        </p:tgtEl>
+                                      </p:cBhvr>
+                                    </p:animEffect>
+                                  </p:childTnLst>
+                                </p:cTn>
+                              </p:par>
+                            </p:childTnLst>
+                          </p:cTn>
+                        </p:par>
+                      </p:childTnLst>
+                    </p:cTn>
+                  </p:par>
                 </p:childTnLst>
               </p:cTn>
               <p:prevCondLst>
@@ -15796,60 +16390,6 @@
           </a:p>
         </p:txBody>
       </p:sp>
-      <p:pic>
-        <p:nvPicPr>
-          <p:cNvPr id="3077" name="Picture 5"/>
-          <p:cNvPicPr>
-            <a:picLocks noChangeAspect="1" noChangeArrowheads="1"/>
-          </p:cNvPicPr>
-          <p:nvPr/>
-        </p:nvPicPr>
-        <p:blipFill>
-          <a:blip r:embed="rId2">
-            <a:extLst>
-              <a:ext uri="{28A0092B-C50C-407E-A947-70E740481C1C}">
-                <a14:useLocalDpi xmlns:a14="http://schemas.microsoft.com/office/drawing/2010/main" val="0"/>
-              </a:ext>
-            </a:extLst>
-          </a:blip>
-          <a:srcRect/>
-          <a:stretch>
-            <a:fillRect/>
-          </a:stretch>
-        </p:blipFill>
-        <p:spPr bwMode="auto">
-          <a:xfrm>
-            <a:off x="409575" y="3514725"/>
-            <a:ext cx="8124825" cy="1362075"/>
-          </a:xfrm>
-          <a:prstGeom prst="rect">
-            <a:avLst/>
-          </a:prstGeom>
-          <a:noFill/>
-          <a:ln>
-            <a:noFill/>
-          </a:ln>
-          <a:extLst>
-            <a:ext uri="{909E8E84-426E-40DD-AFC4-6F175D3DCCD1}">
-              <a14:hiddenFill xmlns:a14="http://schemas.microsoft.com/office/drawing/2010/main">
-                <a:solidFill>
-                  <a:schemeClr val="accent1"/>
-                </a:solidFill>
-              </a14:hiddenFill>
-            </a:ext>
-            <a:ext uri="{91240B29-F687-4F45-9708-019B960494DF}">
-              <a14:hiddenLine xmlns:a14="http://schemas.microsoft.com/office/drawing/2010/main" w="9525">
-                <a:solidFill>
-                  <a:schemeClr val="tx1"/>
-                </a:solidFill>
-                <a:miter lim="800000"/>
-                <a:headEnd/>
-                <a:tailEnd/>
-              </a14:hiddenLine>
-            </a:ext>
-          </a:extLst>
-        </p:spPr>
-      </p:pic>
       <p:sp>
         <p:nvSpPr>
           <p:cNvPr id="9" name="Content Placeholder 1"/>
@@ -15889,6 +16429,60 @@
           </a:p>
         </p:txBody>
       </p:sp>
+      <p:pic>
+        <p:nvPicPr>
+          <p:cNvPr id="5" name="Picture 2"/>
+          <p:cNvPicPr>
+            <a:picLocks noChangeAspect="1" noChangeArrowheads="1"/>
+          </p:cNvPicPr>
+          <p:nvPr/>
+        </p:nvPicPr>
+        <p:blipFill>
+          <a:blip r:embed="rId2">
+            <a:extLst>
+              <a:ext uri="{28A0092B-C50C-407E-A947-70E740481C1C}">
+                <a14:useLocalDpi xmlns:a14="http://schemas.microsoft.com/office/drawing/2010/main" val="0"/>
+              </a:ext>
+            </a:extLst>
+          </a:blip>
+          <a:srcRect/>
+          <a:stretch>
+            <a:fillRect/>
+          </a:stretch>
+        </p:blipFill>
+        <p:spPr bwMode="auto">
+          <a:xfrm>
+            <a:off x="609600" y="3429000"/>
+            <a:ext cx="7501659" cy="1752600"/>
+          </a:xfrm>
+          <a:prstGeom prst="rect">
+            <a:avLst/>
+          </a:prstGeom>
+          <a:noFill/>
+          <a:ln>
+            <a:noFill/>
+          </a:ln>
+          <a:extLst>
+            <a:ext uri="{909E8E84-426E-40DD-AFC4-6F175D3DCCD1}">
+              <a14:hiddenFill xmlns:a14="http://schemas.microsoft.com/office/drawing/2010/main">
+                <a:solidFill>
+                  <a:schemeClr val="accent1"/>
+                </a:solidFill>
+              </a14:hiddenFill>
+            </a:ext>
+            <a:ext uri="{91240B29-F687-4F45-9708-019B960494DF}">
+              <a14:hiddenLine xmlns:a14="http://schemas.microsoft.com/office/drawing/2010/main" w="9525">
+                <a:solidFill>
+                  <a:schemeClr val="tx1"/>
+                </a:solidFill>
+                <a:miter lim="800000"/>
+                <a:headEnd/>
+                <a:tailEnd/>
+              </a14:hiddenLine>
+            </a:ext>
+          </a:extLst>
+        </p:spPr>
+      </p:pic>
     </p:spTree>
     <p:extLst>
       <p:ext uri="{BB962C8B-B14F-4D97-AF65-F5344CB8AC3E}">
@@ -16101,7 +16695,7 @@
                                           </p:stCondLst>
                                         </p:cTn>
                                         <p:tgtEl>
-                                          <p:spTgt spid="3077"/>
+                                          <p:spTgt spid="5"/>
                                         </p:tgtEl>
                                         <p:attrNameLst>
                                           <p:attrName>style.visibility</p:attrName>
@@ -16115,7 +16709,7 @@
                                       <p:cBhvr>
                                         <p:cTn id="19" dur="1000"/>
                                         <p:tgtEl>
-                                          <p:spTgt spid="3077"/>
+                                          <p:spTgt spid="5"/>
                                         </p:tgtEl>
                                       </p:cBhvr>
                                     </p:animEffect>
@@ -16123,7 +16717,7 @@
                                       <p:cBhvr>
                                         <p:cTn id="20" dur="1000" fill="hold"/>
                                         <p:tgtEl>
-                                          <p:spTgt spid="3077"/>
+                                          <p:spTgt spid="5"/>
                                         </p:tgtEl>
                                         <p:attrNameLst>
                                           <p:attrName>ppt_x</p:attrName>
@@ -16146,7 +16740,7 @@
                                       <p:cBhvr>
                                         <p:cTn id="21" dur="1000" fill="hold"/>
                                         <p:tgtEl>
-                                          <p:spTgt spid="3077"/>
+                                          <p:spTgt spid="5"/>
                                         </p:tgtEl>
                                         <p:attrNameLst>
                                           <p:attrName>ppt_y</p:attrName>
@@ -16559,9 +17153,6 @@
             <a:endParaRPr lang="en-US" dirty="0" smtClean="0"/>
           </a:p>
           <a:p>
-            <a:endParaRPr lang="en-US" dirty="0" smtClean="0"/>
-          </a:p>
-          <a:p>
             <a:pPr marL="0" indent="0">
               <a:buNone/>
             </a:pPr>
@@ -16606,7 +17197,7 @@
       </p:sp>
       <p:pic>
         <p:nvPicPr>
-          <p:cNvPr id="4098" name="Picture 2"/>
+          <p:cNvPr id="1027" name="Picture 3"/>
           <p:cNvPicPr>
             <a:picLocks noChangeAspect="1" noChangeArrowheads="1"/>
           </p:cNvPicPr>
@@ -16627,8 +17218,8 @@
         </p:blipFill>
         <p:spPr bwMode="auto">
           <a:xfrm>
-            <a:off x="500063" y="4400550"/>
-            <a:ext cx="8143875" cy="1924050"/>
+            <a:off x="609600" y="3886200"/>
+            <a:ext cx="7467600" cy="2445834"/>
           </a:xfrm>
           <a:prstGeom prst="rect">
             <a:avLst/>
@@ -16872,7 +17463,7 @@
                                         <p:tgtEl>
                                           <p:spTgt spid="2">
                                             <p:txEl>
-                                              <p:pRg st="2" end="2"/>
+                                              <p:pRg st="1" end="1"/>
                                             </p:txEl>
                                           </p:spTgt>
                                         </p:tgtEl>
@@ -16890,7 +17481,7 @@
                                         <p:tgtEl>
                                           <p:spTgt spid="2">
                                             <p:txEl>
-                                              <p:pRg st="2" end="2"/>
+                                              <p:pRg st="1" end="1"/>
                                             </p:txEl>
                                           </p:spTgt>
                                         </p:tgtEl>
@@ -16902,7 +17493,7 @@
                                         <p:tgtEl>
                                           <p:spTgt spid="2">
                                             <p:txEl>
-                                              <p:pRg st="2" end="2"/>
+                                              <p:pRg st="1" end="1"/>
                                             </p:txEl>
                                           </p:spTgt>
                                         </p:tgtEl>
@@ -16929,7 +17520,7 @@
                                         <p:tgtEl>
                                           <p:spTgt spid="2">
                                             <p:txEl>
-                                              <p:pRg st="2" end="2"/>
+                                              <p:pRg st="1" end="1"/>
                                             </p:txEl>
                                           </p:spTgt>
                                         </p:tgtEl>
@@ -16985,7 +17576,7 @@
                                           </p:stCondLst>
                                         </p:cTn>
                                         <p:tgtEl>
-                                          <p:spTgt spid="4098"/>
+                                          <p:spTgt spid="1027"/>
                                         </p:tgtEl>
                                         <p:attrNameLst>
                                           <p:attrName>style.visibility</p:attrName>
@@ -16999,7 +17590,7 @@
                                       <p:cBhvr>
                                         <p:cTn id="26" dur="1000"/>
                                         <p:tgtEl>
-                                          <p:spTgt spid="4098"/>
+                                          <p:spTgt spid="1027"/>
                                         </p:tgtEl>
                                       </p:cBhvr>
                                     </p:animEffect>
@@ -17007,7 +17598,7 @@
                                       <p:cBhvr>
                                         <p:cTn id="27" dur="1000" fill="hold"/>
                                         <p:tgtEl>
-                                          <p:spTgt spid="4098"/>
+                                          <p:spTgt spid="1027"/>
                                         </p:tgtEl>
                                         <p:attrNameLst>
                                           <p:attrName>ppt_x</p:attrName>
@@ -17030,7 +17621,7 @@
                                       <p:cBhvr>
                                         <p:cTn id="28" dur="1000" fill="hold"/>
                                         <p:tgtEl>
-                                          <p:spTgt spid="4098"/>
+                                          <p:spTgt spid="1027"/>
                                         </p:tgtEl>
                                         <p:attrNameLst>
                                           <p:attrName>ppt_y</p:attrName>

--- a/Time Series Predictions.pptx
+++ b/Time Series Predictions.pptx
@@ -17780,14 +17780,32 @@
                             </p:stCondLst>
                             <p:childTnLst>
                               <p:par>
-                                <p:cTn id="5" presetID="47" presetClass="exit" presetSubtype="0" fill="hold" grpId="0" nodeType="clickEffect">
+                                <p:cTn id="5" presetID="42" presetClass="entr" presetSubtype="0" fill="hold" grpId="0" nodeType="clickEffect">
                                   <p:stCondLst>
                                     <p:cond delay="0"/>
                                   </p:stCondLst>
                                   <p:childTnLst>
-                                    <p:animEffect transition="out" filter="fade">
+                                    <p:set>
                                       <p:cBhvr>
-                                        <p:cTn id="6" dur="1000"/>
+                                        <p:cTn id="6" dur="1" fill="hold">
+                                          <p:stCondLst>
+                                            <p:cond delay="0"/>
+                                          </p:stCondLst>
+                                        </p:cTn>
+                                        <p:tgtEl>
+                                          <p:spTgt spid="2"/>
+                                        </p:tgtEl>
+                                        <p:attrNameLst>
+                                          <p:attrName>style.visibility</p:attrName>
+                                        </p:attrNameLst>
+                                      </p:cBhvr>
+                                      <p:to>
+                                        <p:strVal val="visible"/>
+                                      </p:to>
+                                    </p:set>
+                                    <p:animEffect transition="in" filter="fade">
+                                      <p:cBhvr>
+                                        <p:cTn id="7" dur="1000"/>
                                         <p:tgtEl>
                                           <p:spTgt spid="2"/>
                                         </p:tgtEl>
@@ -17795,7 +17813,88 @@
                                     </p:animEffect>
                                     <p:anim calcmode="lin" valueType="num">
                                       <p:cBhvr>
-                                        <p:cTn id="7" dur="1000"/>
+                                        <p:cTn id="8" dur="1000" fill="hold"/>
+                                        <p:tgtEl>
+                                          <p:spTgt spid="2"/>
+                                        </p:tgtEl>
+                                        <p:attrNameLst>
+                                          <p:attrName>ppt_x</p:attrName>
+                                        </p:attrNameLst>
+                                      </p:cBhvr>
+                                      <p:tavLst>
+                                        <p:tav tm="0">
+                                          <p:val>
+                                            <p:strVal val="#ppt_x"/>
+                                          </p:val>
+                                        </p:tav>
+                                        <p:tav tm="100000">
+                                          <p:val>
+                                            <p:strVal val="#ppt_x"/>
+                                          </p:val>
+                                        </p:tav>
+                                      </p:tavLst>
+                                    </p:anim>
+                                    <p:anim calcmode="lin" valueType="num">
+                                      <p:cBhvr>
+                                        <p:cTn id="9" dur="1000" fill="hold"/>
+                                        <p:tgtEl>
+                                          <p:spTgt spid="2"/>
+                                        </p:tgtEl>
+                                        <p:attrNameLst>
+                                          <p:attrName>ppt_y</p:attrName>
+                                        </p:attrNameLst>
+                                      </p:cBhvr>
+                                      <p:tavLst>
+                                        <p:tav tm="0">
+                                          <p:val>
+                                            <p:strVal val="#ppt_y+.1"/>
+                                          </p:val>
+                                        </p:tav>
+                                        <p:tav tm="100000">
+                                          <p:val>
+                                            <p:strVal val="#ppt_y"/>
+                                          </p:val>
+                                        </p:tav>
+                                      </p:tavLst>
+                                    </p:anim>
+                                  </p:childTnLst>
+                                </p:cTn>
+                              </p:par>
+                            </p:childTnLst>
+                          </p:cTn>
+                        </p:par>
+                      </p:childTnLst>
+                    </p:cTn>
+                  </p:par>
+                  <p:par>
+                    <p:cTn id="10" fill="hold">
+                      <p:stCondLst>
+                        <p:cond delay="indefinite"/>
+                      </p:stCondLst>
+                      <p:childTnLst>
+                        <p:par>
+                          <p:cTn id="11" fill="hold">
+                            <p:stCondLst>
+                              <p:cond delay="0"/>
+                            </p:stCondLst>
+                            <p:childTnLst>
+                              <p:par>
+                                <p:cTn id="12" presetID="47" presetClass="exit" presetSubtype="0" fill="hold" grpId="1" nodeType="clickEffect">
+                                  <p:stCondLst>
+                                    <p:cond delay="0"/>
+                                  </p:stCondLst>
+                                  <p:childTnLst>
+                                    <p:animEffect transition="out" filter="fade">
+                                      <p:cBhvr>
+                                        <p:cTn id="13" dur="1000"/>
+                                        <p:tgtEl>
+                                          <p:spTgt spid="2"/>
+                                        </p:tgtEl>
+                                      </p:cBhvr>
+                                    </p:animEffect>
+                                    <p:anim calcmode="lin" valueType="num">
+                                      <p:cBhvr>
+                                        <p:cTn id="14" dur="1000"/>
                                         <p:tgtEl>
                                           <p:spTgt spid="2"/>
                                         </p:tgtEl>
@@ -17818,7 +17917,7 @@
                                     </p:anim>
                                     <p:anim calcmode="lin" valueType="num">
                                       <p:cBhvr>
-                                        <p:cTn id="8" dur="1000"/>
+                                        <p:cTn id="15" dur="1000"/>
                                         <p:tgtEl>
                                           <p:spTgt spid="2"/>
                                         </p:tgtEl>
@@ -17841,7 +17940,7 @@
                                     </p:anim>
                                     <p:set>
                                       <p:cBhvr>
-                                        <p:cTn id="9" dur="1" fill="hold">
+                                        <p:cTn id="16" dur="1" fill="hold">
                                           <p:stCondLst>
                                             <p:cond delay="999"/>
                                           </p:stCondLst>
@@ -17889,6 +17988,7 @@
     </p:tnLst>
     <p:bldLst>
       <p:bldP spid="2" grpId="0"/>
+      <p:bldP spid="2" grpId="1"/>
     </p:bldLst>
   </p:timing>
 </p:sld>
